--- a/Nuclear_Fuel_Performance/NE533_Spring2023/MOOSE Project/Project_Part3.pptx
+++ b/Nuclear_Fuel_Performance/NE533_Spring2023/MOOSE Project/Project_Part3.pptx
@@ -300,7 +300,7 @@
             </a:pPr>
             <a:fld id="{D6F3A803-A045-354B-887A-01433CE46FC2}" type="datetime1">
               <a:rPr lang="en-US" smtClean="0"/>
-              <a:t>3/7/23</a:t>
+              <a:t>4/11/23</a:t>
             </a:fld>
             <a:endParaRPr lang="en-US"/>
           </a:p>
@@ -493,7 +493,7 @@
             </a:pPr>
             <a:fld id="{A8B33C1D-C2E2-1049-AA3F-CD6E91052752}" type="datetime1">
               <a:rPr lang="en-US" smtClean="0"/>
-              <a:t>3/7/23</a:t>
+              <a:t>4/11/23</a:t>
             </a:fld>
             <a:endParaRPr lang="en-US"/>
           </a:p>
@@ -695,7 +695,7 @@
             </a:pPr>
             <a:fld id="{2791AD68-B60C-4542-BDDD-2074DE6DE828}" type="datetime1">
               <a:rPr lang="en-US" smtClean="0"/>
-              <a:t>3/7/23</a:t>
+              <a:t>4/11/23</a:t>
             </a:fld>
             <a:endParaRPr lang="en-US"/>
           </a:p>
@@ -894,7 +894,7 @@
             </a:pPr>
             <a:fld id="{C5BD04BF-9DC2-6341-92B2-BD109A2EF3B1}" type="datetime1">
               <a:rPr lang="en-US" smtClean="0"/>
-              <a:t>3/7/23</a:t>
+              <a:t>4/11/23</a:t>
             </a:fld>
             <a:endParaRPr lang="en-US"/>
           </a:p>
@@ -1164,7 +1164,7 @@
             </a:pPr>
             <a:fld id="{FB0FFBC7-3028-644D-986B-D9855CB74B38}" type="datetime1">
               <a:rPr lang="en-US" smtClean="0"/>
-              <a:t>3/7/23</a:t>
+              <a:t>4/11/23</a:t>
             </a:fld>
             <a:endParaRPr lang="en-US"/>
           </a:p>
@@ -1475,7 +1475,7 @@
             </a:pPr>
             <a:fld id="{2C3B8AE4-01F5-CC42-9C62-61BC6528368B}" type="datetime1">
               <a:rPr lang="en-US" smtClean="0"/>
-              <a:t>3/7/23</a:t>
+              <a:t>4/11/23</a:t>
             </a:fld>
             <a:endParaRPr lang="en-US"/>
           </a:p>
@@ -1918,7 +1918,7 @@
             </a:pPr>
             <a:fld id="{77E49314-4A78-2444-9569-44EB70168344}" type="datetime1">
               <a:rPr lang="en-US" smtClean="0"/>
-              <a:t>3/7/23</a:t>
+              <a:t>4/11/23</a:t>
             </a:fld>
             <a:endParaRPr lang="en-US"/>
           </a:p>
@@ -2059,7 +2059,7 @@
             </a:pPr>
             <a:fld id="{5BC22837-4683-B242-B000-BCEE30621787}" type="datetime1">
               <a:rPr lang="en-US" smtClean="0"/>
-              <a:t>3/7/23</a:t>
+              <a:t>4/11/23</a:t>
             </a:fld>
             <a:endParaRPr lang="en-US"/>
           </a:p>
@@ -2178,7 +2178,7 @@
             </a:pPr>
             <a:fld id="{DCDAE926-7EF1-0B40-B57E-417D188A609C}" type="datetime1">
               <a:rPr lang="en-US" smtClean="0"/>
-              <a:t>3/7/23</a:t>
+              <a:t>4/11/23</a:t>
             </a:fld>
             <a:endParaRPr lang="en-US"/>
           </a:p>
@@ -2477,7 +2477,7 @@
             </a:pPr>
             <a:fld id="{518D107B-B9C7-5B41-A168-55258AB95F52}" type="datetime1">
               <a:rPr lang="en-US" smtClean="0"/>
-              <a:t>3/7/23</a:t>
+              <a:t>4/11/23</a:t>
             </a:fld>
             <a:endParaRPr lang="en-US"/>
           </a:p>
@@ -2761,7 +2761,7 @@
             </a:pPr>
             <a:fld id="{3AD92D36-EE82-3142-B011-9831FB5E702F}" type="datetime1">
               <a:rPr lang="en-US" smtClean="0"/>
-              <a:t>3/7/23</a:t>
+              <a:t>4/11/23</a:t>
             </a:fld>
             <a:endParaRPr lang="en-US"/>
           </a:p>
@@ -2902,7 +2902,7 @@
               </a14:hiddenLine>
             </a:ext>
             <a:ext uri="{FAA26D3D-D897-4be2-8F04-BA451C77F1D7}">
-              <ma14:placeholderFlag xmlns:ma14="http://schemas.microsoft.com/office/mac/drawingml/2011/main" xmlns="" val="1"/>
+              <ma14:placeholderFlag xmlns="" xmlns:ma14="http://schemas.microsoft.com/office/mac/drawingml/2011/main" val="1"/>
             </a:ext>
           </a:extLst>
         </p:spPr>
@@ -2970,7 +2970,7 @@
               </a14:hiddenLine>
             </a:ext>
             <a:ext uri="{FAA26D3D-D897-4be2-8F04-BA451C77F1D7}">
-              <ma14:placeholderFlag xmlns:ma14="http://schemas.microsoft.com/office/mac/drawingml/2011/main" xmlns="" val="1"/>
+              <ma14:placeholderFlag xmlns="" xmlns:ma14="http://schemas.microsoft.com/office/mac/drawingml/2011/main" val="1"/>
             </a:ext>
           </a:extLst>
         </p:spPr>
@@ -3066,7 +3066,7 @@
             </a:pPr>
             <a:fld id="{3EE08B4B-7256-494F-A90D-3891BD685F4A}" type="datetime1">
               <a:rPr lang="en-US" smtClean="0"/>
-              <a:t>3/7/23</a:t>
+              <a:t>4/11/23</a:t>
             </a:fld>
             <a:endParaRPr lang="en-US" dirty="0"/>
           </a:p>
@@ -3759,166 +3759,6 @@
       </p:sp>
       <p:sp>
         <p:nvSpPr>
-          <p:cNvPr id="5" name="Rectangle 4">
-            <a:extLst>
-              <a:ext uri="{FF2B5EF4-FFF2-40B4-BE49-F238E27FC236}">
-                <a16:creationId xmlns:a16="http://schemas.microsoft.com/office/drawing/2014/main" id="{6A14A53C-B601-344D-BB6C-C144C19C902A}"/>
-              </a:ext>
-            </a:extLst>
-          </p:cNvPr>
-          <p:cNvSpPr/>
-          <p:nvPr/>
-        </p:nvSpPr>
-        <p:spPr>
-          <a:xfrm>
-            <a:off x="9152938" y="2016866"/>
-            <a:ext cx="2253259" cy="3389243"/>
-          </a:xfrm>
-          <a:prstGeom prst="rect">
-            <a:avLst/>
-          </a:prstGeom>
-          <a:solidFill>
-            <a:schemeClr val="accent1"/>
-          </a:solidFill>
-        </p:spPr>
-        <p:style>
-          <a:lnRef idx="1">
-            <a:schemeClr val="accent1"/>
-          </a:lnRef>
-          <a:fillRef idx="3">
-            <a:schemeClr val="accent1"/>
-          </a:fillRef>
-          <a:effectRef idx="2">
-            <a:schemeClr val="accent1"/>
-          </a:effectRef>
-          <a:fontRef idx="minor">
-            <a:schemeClr val="lt1"/>
-          </a:fontRef>
-        </p:style>
-        <p:txBody>
-          <a:bodyPr rtlCol="0" anchor="ctr"/>
-          <a:lstStyle/>
-          <a:p>
-            <a:pPr marL="0" marR="0" lvl="0" indent="0" algn="ctr" defTabSz="914400" rtl="0" eaLnBrk="1" fontAlgn="auto" latinLnBrk="0" hangingPunct="1">
-              <a:lnSpc>
-                <a:spcPct val="100000"/>
-              </a:lnSpc>
-              <a:spcBef>
-                <a:spcPts val="0"/>
-              </a:spcBef>
-              <a:spcAft>
-                <a:spcPts val="0"/>
-              </a:spcAft>
-              <a:buClrTx/>
-              <a:buSzTx/>
-              <a:buFontTx/>
-              <a:buNone/>
-              <a:tabLst/>
-              <a:defRPr/>
-            </a:pPr>
-            <a:endParaRPr kumimoji="0" lang="en-US" sz="1800" b="0" i="0" u="none" strike="noStrike" kern="1200" cap="none" spc="0" normalizeH="0" baseline="0" noProof="0">
-              <a:ln>
-                <a:noFill/>
-              </a:ln>
-              <a:solidFill>
-                <a:prstClr val="white"/>
-              </a:solidFill>
-              <a:effectLst/>
-              <a:uLnTx/>
-              <a:uFillTx/>
-              <a:latin typeface="Calibri"/>
-              <a:ea typeface="+mn-ea"/>
-              <a:cs typeface="+mn-cs"/>
-            </a:endParaRPr>
-          </a:p>
-        </p:txBody>
-      </p:sp>
-      <p:cxnSp>
-        <p:nvCxnSpPr>
-          <p:cNvPr id="9" name="Straight Arrow Connector 8">
-            <a:extLst>
-              <a:ext uri="{FF2B5EF4-FFF2-40B4-BE49-F238E27FC236}">
-                <a16:creationId xmlns:a16="http://schemas.microsoft.com/office/drawing/2014/main" id="{B4CE7341-0281-C44A-9030-313AEB440CB7}"/>
-              </a:ext>
-            </a:extLst>
-          </p:cNvPr>
-          <p:cNvCxnSpPr>
-            <a:cxnSpLocks/>
-          </p:cNvCxnSpPr>
-          <p:nvPr/>
-        </p:nvCxnSpPr>
-        <p:spPr>
-          <a:xfrm>
-            <a:off x="9152938" y="1822688"/>
-            <a:ext cx="2253259" cy="0"/>
-          </a:xfrm>
-          <a:prstGeom prst="straightConnector1">
-            <a:avLst/>
-          </a:prstGeom>
-          <a:ln>
-            <a:headEnd type="triangle"/>
-            <a:tailEnd type="triangle"/>
-          </a:ln>
-        </p:spPr>
-        <p:style>
-          <a:lnRef idx="2">
-            <a:schemeClr val="accent1"/>
-          </a:lnRef>
-          <a:fillRef idx="0">
-            <a:schemeClr val="accent1"/>
-          </a:fillRef>
-          <a:effectRef idx="1">
-            <a:schemeClr val="accent1"/>
-          </a:effectRef>
-          <a:fontRef idx="minor">
-            <a:schemeClr val="tx1"/>
-          </a:fontRef>
-        </p:style>
-      </p:cxnSp>
-      <p:cxnSp>
-        <p:nvCxnSpPr>
-          <p:cNvPr id="14" name="Straight Arrow Connector 13">
-            <a:extLst>
-              <a:ext uri="{FF2B5EF4-FFF2-40B4-BE49-F238E27FC236}">
-                <a16:creationId xmlns:a16="http://schemas.microsoft.com/office/drawing/2014/main" id="{B8F40A3F-E5AC-AA42-BFC3-19A6A409A2EB}"/>
-              </a:ext>
-            </a:extLst>
-          </p:cNvPr>
-          <p:cNvCxnSpPr>
-            <a:cxnSpLocks/>
-          </p:cNvCxnSpPr>
-          <p:nvPr/>
-        </p:nvCxnSpPr>
-        <p:spPr>
-          <a:xfrm flipV="1">
-            <a:off x="8951500" y="2016866"/>
-            <a:ext cx="0" cy="3389243"/>
-          </a:xfrm>
-          <a:prstGeom prst="straightConnector1">
-            <a:avLst/>
-          </a:prstGeom>
-          <a:ln>
-            <a:headEnd type="triangle"/>
-            <a:tailEnd type="triangle"/>
-          </a:ln>
-        </p:spPr>
-        <p:style>
-          <a:lnRef idx="2">
-            <a:schemeClr val="accent1"/>
-          </a:lnRef>
-          <a:fillRef idx="0">
-            <a:schemeClr val="accent1"/>
-          </a:fillRef>
-          <a:effectRef idx="1">
-            <a:schemeClr val="accent1"/>
-          </a:effectRef>
-          <a:fontRef idx="minor">
-            <a:schemeClr val="tx1"/>
-          </a:fontRef>
-        </p:style>
-      </p:cxnSp>
-      <p:sp>
-        <p:nvSpPr>
           <p:cNvPr id="16" name="TextBox 15">
             <a:extLst>
               <a:ext uri="{FF2B5EF4-FFF2-40B4-BE49-F238E27FC236}">
@@ -3932,7 +3772,7 @@
         <p:spPr>
           <a:xfrm>
             <a:off x="667872" y="1968501"/>
-            <a:ext cx="7726433" cy="2585323"/>
+            <a:ext cx="10914528" cy="3416320"/>
           </a:xfrm>
           <a:prstGeom prst="rect">
             <a:avLst/>
@@ -3977,7 +3817,7 @@
                 <a:ea typeface="+mn-ea"/>
                 <a:cs typeface="+mn-cs"/>
               </a:rPr>
-              <a:t>1-D problem, set up in 2D-RZ</a:t>
+              <a:t>Utilizing the systems from Part 1 &amp; 2, combine heat conduction and tensor mechanics in a fully thermo-mechanical simulation to get the stresses due to thermal expansion in the fuel</a:t>
             </a:r>
           </a:p>
           <a:p>
@@ -3998,38 +3838,20 @@
               <a:tabLst/>
               <a:defRPr/>
             </a:pPr>
-            <a:r>
-              <a:rPr kumimoji="0" lang="en-US" sz="1800" b="0" i="0" u="none" strike="noStrike" kern="1200" cap="none" spc="0" normalizeH="0" baseline="0" noProof="0" dirty="0">
-                <a:ln>
-                  <a:noFill/>
-                </a:ln>
-                <a:solidFill>
-                  <a:prstClr val="black"/>
-                </a:solidFill>
-                <a:effectLst/>
-                <a:uLnTx/>
-                <a:uFillTx/>
-                <a:latin typeface="Calibri"/>
-                <a:ea typeface="+mn-ea"/>
-                <a:cs typeface="+mn-cs"/>
-              </a:rPr>
-              <a:t>Given a uniform heat generation rate of LHR = 350 W/cm, what are the stresses due to thermal expansion in the fuel?</a:t>
-            </a:r>
-          </a:p>
-          <a:p>
-            <a:pPr marL="285750" indent="-285750">
-              <a:buFont typeface="Arial" panose="020B0604020202020204" pitchFamily="34" charset="0"/>
-              <a:buChar char="•"/>
-              <a:defRPr/>
-            </a:pPr>
-            <a:r>
-              <a:rPr lang="en-US" dirty="0">
-                <a:solidFill>
-                  <a:prstClr val="black"/>
-                </a:solidFill>
-              </a:rPr>
-              <a:t>Will need tensor mechanics and heat conduction </a:t>
-            </a:r>
+            <a:endParaRPr kumimoji="0" lang="en-US" sz="1800" b="0" i="0" u="none" strike="noStrike" kern="1200" cap="none" spc="0" normalizeH="0" baseline="0" noProof="0" dirty="0">
+              <a:ln>
+                <a:noFill/>
+              </a:ln>
+              <a:solidFill>
+                <a:prstClr val="black"/>
+              </a:solidFill>
+              <a:effectLst/>
+              <a:uLnTx/>
+              <a:uFillTx/>
+              <a:latin typeface="Calibri"/>
+              <a:ea typeface="+mn-ea"/>
+              <a:cs typeface="+mn-cs"/>
+            </a:endParaRPr>
           </a:p>
           <a:p>
             <a:pPr marL="285750" marR="0" lvl="0" indent="-285750" algn="l" defTabSz="914400" rtl="0" eaLnBrk="1" fontAlgn="auto" latinLnBrk="0" hangingPunct="1">
@@ -4049,39 +3871,6 @@
               <a:tabLst/>
               <a:defRPr/>
             </a:pPr>
-            <a:endParaRPr kumimoji="0" lang="en-US" sz="1800" b="0" i="0" u="none" strike="noStrike" kern="1200" cap="none" spc="0" normalizeH="0" baseline="0" noProof="0" dirty="0">
-              <a:ln>
-                <a:noFill/>
-              </a:ln>
-              <a:solidFill>
-                <a:prstClr val="black"/>
-              </a:solidFill>
-              <a:effectLst/>
-              <a:uLnTx/>
-              <a:uFillTx/>
-              <a:latin typeface="Calibri"/>
-              <a:ea typeface="+mn-ea"/>
-              <a:cs typeface="+mn-cs"/>
-            </a:endParaRPr>
-          </a:p>
-          <a:p>
-            <a:pPr marL="285750" marR="0" lvl="0" indent="-285750" algn="l" defTabSz="914400" rtl="0" eaLnBrk="1" fontAlgn="auto" latinLnBrk="0" hangingPunct="1">
-              <a:lnSpc>
-                <a:spcPct val="100000"/>
-              </a:lnSpc>
-              <a:spcBef>
-                <a:spcPts val="0"/>
-              </a:spcBef>
-              <a:spcAft>
-                <a:spcPts val="0"/>
-              </a:spcAft>
-              <a:buClrTx/>
-              <a:buSzTx/>
-              <a:buFont typeface="Arial" panose="020B0604020202020204" pitchFamily="34" charset="0"/>
-              <a:buChar char="•"/>
-              <a:tabLst/>
-              <a:defRPr/>
-            </a:pPr>
             <a:r>
               <a:rPr lang="en-US" dirty="0">
                 <a:solidFill>
@@ -4089,7 +3878,7 @@
                 </a:solidFill>
                 <a:latin typeface="Calibri"/>
               </a:rPr>
-              <a:t>1) Assume a constant fuel surface temperature and constant thermal conductivity</a:t>
+              <a:t>1) Assume a constant thermal conductivity</a:t>
             </a:r>
           </a:p>
           <a:p>
@@ -4113,7 +3902,49 @@
                   <a:prstClr val="black"/>
                 </a:solidFill>
               </a:rPr>
-              <a:t>a constant fuel surface temperature but temperature dependent thermal conductivity</a:t>
+              <a:t>a temperature dependent thermal conductivity</a:t>
+            </a:r>
+          </a:p>
+          <a:p>
+            <a:pPr marL="285750" lvl="0" indent="-285750">
+              <a:buFont typeface="Arial" panose="020B0604020202020204" pitchFamily="34" charset="0"/>
+              <a:buChar char="•"/>
+              <a:defRPr/>
+            </a:pPr>
+            <a:endParaRPr lang="en-US" dirty="0">
+              <a:solidFill>
+                <a:prstClr val="black"/>
+              </a:solidFill>
+            </a:endParaRPr>
+          </a:p>
+          <a:p>
+            <a:pPr marL="285750" lvl="0" indent="-285750">
+              <a:buFont typeface="Arial" panose="020B0604020202020204" pitchFamily="34" charset="0"/>
+              <a:buChar char="•"/>
+              <a:defRPr/>
+            </a:pPr>
+            <a:r>
+              <a:rPr lang="en-US" dirty="0">
+                <a:solidFill>
+                  <a:prstClr val="black"/>
+                </a:solidFill>
+              </a:rPr>
+              <a:t>Can neglect any potential effects of contact, can reduce boundary conditions to a fuel surface temp</a:t>
+            </a:r>
+          </a:p>
+          <a:p>
+            <a:pPr marL="285750" lvl="0" indent="-285750">
+              <a:buFont typeface="Arial" panose="020B0604020202020204" pitchFamily="34" charset="0"/>
+              <a:buChar char="•"/>
+              <a:defRPr/>
+            </a:pPr>
+            <a:r>
+              <a:rPr lang="en-US" dirty="0">
+                <a:solidFill>
+                  <a:prstClr val="black"/>
+                </a:solidFill>
+              </a:rPr>
+              <a:t>Constant, axially varying, LHR</a:t>
             </a:r>
             <a:endParaRPr lang="en-US" dirty="0">
               <a:solidFill>
@@ -4122,199 +3953,56 @@
               <a:latin typeface="Calibri"/>
             </a:endParaRPr>
           </a:p>
-        </p:txBody>
-      </p:sp>
-      <p:sp>
-        <p:nvSpPr>
-          <p:cNvPr id="17" name="TextBox 16">
-            <a:extLst>
-              <a:ext uri="{FF2B5EF4-FFF2-40B4-BE49-F238E27FC236}">
-                <a16:creationId xmlns:a16="http://schemas.microsoft.com/office/drawing/2014/main" id="{BF1AC033-6409-0C4A-AA93-30785D045B24}"/>
-              </a:ext>
-            </a:extLst>
-          </p:cNvPr>
-          <p:cNvSpPr txBox="1"/>
-          <p:nvPr/>
-        </p:nvSpPr>
-        <p:spPr>
-          <a:xfrm>
-            <a:off x="9389576" y="3526821"/>
-            <a:ext cx="1640540" cy="369332"/>
-          </a:xfrm>
-          <a:prstGeom prst="rect">
-            <a:avLst/>
-          </a:prstGeom>
-          <a:noFill/>
-        </p:spPr>
-        <p:txBody>
-          <a:bodyPr wrap="square" rtlCol="0">
-            <a:spAutoFit/>
-          </a:bodyPr>
-          <a:lstStyle/>
-          <a:p>
-            <a:pPr marL="0" marR="0" lvl="0" indent="0" algn="ctr" defTabSz="914400" rtl="0" eaLnBrk="1" fontAlgn="auto" latinLnBrk="0" hangingPunct="1">
-              <a:lnSpc>
-                <a:spcPct val="100000"/>
-              </a:lnSpc>
-              <a:spcBef>
-                <a:spcPts val="0"/>
-              </a:spcBef>
-              <a:spcAft>
-                <a:spcPts val="0"/>
-              </a:spcAft>
-              <a:buClrTx/>
-              <a:buSzTx/>
-              <a:buFontTx/>
-              <a:buNone/>
-              <a:tabLst/>
-              <a:defRPr/>
-            </a:pPr>
-            <a:r>
-              <a:rPr kumimoji="0" lang="en-US" sz="1800" b="0" i="0" u="none" strike="noStrike" kern="1200" cap="none" spc="0" normalizeH="0" baseline="0" noProof="0" dirty="0">
-                <a:ln>
-                  <a:noFill/>
-                </a:ln>
+          <a:p>
+            <a:pPr marL="285750" lvl="0" indent="-285750">
+              <a:buFont typeface="Arial" panose="020B0604020202020204" pitchFamily="34" charset="0"/>
+              <a:buChar char="•"/>
+              <a:defRPr/>
+            </a:pPr>
+            <a:endParaRPr lang="en-US" dirty="0">
+              <a:solidFill>
+                <a:prstClr val="black"/>
+              </a:solidFill>
+              <a:latin typeface="Calibri"/>
+            </a:endParaRPr>
+          </a:p>
+          <a:p>
+            <a:pPr marL="285750" lvl="0" indent="-285750">
+              <a:buFont typeface="Arial" panose="020B0604020202020204" pitchFamily="34" charset="0"/>
+              <a:buChar char="•"/>
+              <a:defRPr/>
+            </a:pPr>
+            <a:r>
+              <a:rPr lang="en-US" dirty="0">
                 <a:solidFill>
                   <a:prstClr val="black"/>
                 </a:solidFill>
-                <a:effectLst/>
-                <a:uLnTx/>
-                <a:uFillTx/>
                 <a:latin typeface="Calibri"/>
-                <a:ea typeface="+mn-ea"/>
-                <a:cs typeface="+mn-cs"/>
+                <a:hlinkClick r:id="rId2"/>
               </a:rPr>
-              <a:t>Fuel</a:t>
-            </a:r>
-          </a:p>
-        </p:txBody>
-      </p:sp>
-      <p:sp>
-        <p:nvSpPr>
-          <p:cNvPr id="20" name="TextBox 19">
-            <a:extLst>
-              <a:ext uri="{FF2B5EF4-FFF2-40B4-BE49-F238E27FC236}">
-                <a16:creationId xmlns:a16="http://schemas.microsoft.com/office/drawing/2014/main" id="{500D7D2B-ACB3-E84C-8015-B6D0EFA467D3}"/>
-              </a:ext>
-            </a:extLst>
-          </p:cNvPr>
-          <p:cNvSpPr txBox="1"/>
-          <p:nvPr/>
-        </p:nvSpPr>
-        <p:spPr>
-          <a:xfrm>
-            <a:off x="9339730" y="1453356"/>
-            <a:ext cx="1640540" cy="369332"/>
-          </a:xfrm>
-          <a:prstGeom prst="rect">
-            <a:avLst/>
-          </a:prstGeom>
-          <a:noFill/>
-        </p:spPr>
-        <p:txBody>
-          <a:bodyPr wrap="square" rtlCol="0">
-            <a:spAutoFit/>
-          </a:bodyPr>
-          <a:lstStyle/>
-          <a:p>
-            <a:pPr marL="0" marR="0" lvl="0" indent="0" algn="ctr" defTabSz="914400" rtl="0" eaLnBrk="1" fontAlgn="auto" latinLnBrk="0" hangingPunct="1">
-              <a:lnSpc>
-                <a:spcPct val="100000"/>
-              </a:lnSpc>
-              <a:spcBef>
-                <a:spcPts val="0"/>
-              </a:spcBef>
-              <a:spcAft>
-                <a:spcPts val="0"/>
-              </a:spcAft>
-              <a:buClrTx/>
-              <a:buSzTx/>
-              <a:buFontTx/>
-              <a:buNone/>
-              <a:tabLst/>
-              <a:defRPr/>
-            </a:pPr>
-            <a:r>
-              <a:rPr kumimoji="0" lang="en-US" sz="1800" b="0" i="0" u="none" strike="noStrike" kern="1200" cap="none" spc="0" normalizeH="0" baseline="0" noProof="0" dirty="0">
-                <a:ln>
-                  <a:noFill/>
-                </a:ln>
+              <a:t>https://mooseframework.inl.gov/getting_started/examples_and_tutorials/index.html</a:t>
+            </a:r>
+            <a:endParaRPr lang="en-US" dirty="0">
+              <a:solidFill>
+                <a:prstClr val="black"/>
+              </a:solidFill>
+              <a:latin typeface="Calibri"/>
+            </a:endParaRPr>
+          </a:p>
+          <a:p>
+            <a:pPr marL="742950" lvl="1" indent="-285750">
+              <a:buFont typeface="Arial" panose="020B0604020202020204" pitchFamily="34" charset="0"/>
+              <a:buChar char="•"/>
+              <a:defRPr/>
+            </a:pPr>
+            <a:r>
+              <a:rPr lang="en-US" dirty="0">
                 <a:solidFill>
                   <a:prstClr val="black"/>
                 </a:solidFill>
-                <a:effectLst/>
-                <a:uLnTx/>
-                <a:uFillTx/>
                 <a:latin typeface="Calibri"/>
-                <a:ea typeface="+mn-ea"/>
-                <a:cs typeface="+mn-cs"/>
               </a:rPr>
-              <a:t>0.5 cm</a:t>
-            </a:r>
-          </a:p>
-        </p:txBody>
-      </p:sp>
-      <p:sp>
-        <p:nvSpPr>
-          <p:cNvPr id="23" name="TextBox 22">
-            <a:extLst>
-              <a:ext uri="{FF2B5EF4-FFF2-40B4-BE49-F238E27FC236}">
-                <a16:creationId xmlns:a16="http://schemas.microsoft.com/office/drawing/2014/main" id="{9585D5CD-26F8-1C40-B55C-D9B4F132CE15}"/>
-              </a:ext>
-            </a:extLst>
-          </p:cNvPr>
-          <p:cNvSpPr txBox="1"/>
-          <p:nvPr/>
-        </p:nvSpPr>
-        <p:spPr>
-          <a:xfrm rot="16200000">
-            <a:off x="7761900" y="3608428"/>
-            <a:ext cx="1640540" cy="369332"/>
-          </a:xfrm>
-          <a:prstGeom prst="rect">
-            <a:avLst/>
-          </a:prstGeom>
-          <a:noFill/>
-        </p:spPr>
-        <p:txBody>
-          <a:bodyPr wrap="square" rtlCol="0">
-            <a:spAutoFit/>
-          </a:bodyPr>
-          <a:lstStyle/>
-          <a:p>
-            <a:pPr marL="0" marR="0" lvl="0" indent="0" algn="ctr" defTabSz="914400" rtl="0" eaLnBrk="1" fontAlgn="auto" latinLnBrk="0" hangingPunct="1">
-              <a:lnSpc>
-                <a:spcPct val="100000"/>
-              </a:lnSpc>
-              <a:spcBef>
-                <a:spcPts val="0"/>
-              </a:spcBef>
-              <a:spcAft>
-                <a:spcPts val="0"/>
-              </a:spcAft>
-              <a:buClrTx/>
-              <a:buSzTx/>
-              <a:buFontTx/>
-              <a:buNone/>
-              <a:tabLst/>
-              <a:defRPr/>
-            </a:pPr>
-            <a:r>
-              <a:rPr kumimoji="0" lang="en-US" sz="1800" b="0" i="0" u="none" strike="noStrike" kern="1200" cap="none" spc="0" normalizeH="0" baseline="0" noProof="0" dirty="0">
-                <a:ln>
-                  <a:noFill/>
-                </a:ln>
-                <a:solidFill>
-                  <a:prstClr val="black"/>
-                </a:solidFill>
-                <a:effectLst/>
-                <a:uLnTx/>
-                <a:uFillTx/>
-                <a:latin typeface="Calibri"/>
-                <a:ea typeface="+mn-ea"/>
-                <a:cs typeface="+mn-cs"/>
-              </a:rPr>
-              <a:t>1 cm</a:t>
+              <a:t>Under “Physics Module Examples and Tutorials” can consult the combined, heat conduction, and tensor mechanics modules</a:t>
             </a:r>
           </a:p>
         </p:txBody>
